--- a/ppt 16-9/0326.因信接受圣礼.pptx
+++ b/ppt 16-9/0326.因信接受圣礼.pptx
@@ -5,7 +5,7 @@
     <p:sldMasterId id="2147483648" r:id="rId1"/>
   </p:sldMasterIdLst>
   <p:sldIdLst>
-    <p:sldId id="3218" r:id="rId2"/>
+    <p:sldId id="3219" r:id="rId2"/>
   </p:sldIdLst>
   <p:sldSz cx="12192000" cy="6858000"/>
   <p:notesSz cx="6858000" cy="9144000"/>
@@ -129,7 +129,7 @@
           <p:cNvPr id="2" name="标题 1">
             <a:extLst>
               <a:ext uri="{FF2B5EF4-FFF2-40B4-BE49-F238E27FC236}">
-                <a16:creationId xmlns:a16="http://schemas.microsoft.com/office/drawing/2014/main" id="{D42D003A-D7B2-8BC4-DFE9-016A0692887C}"/>
+                <a16:creationId xmlns:a16="http://schemas.microsoft.com/office/drawing/2014/main" id="{3ED906F4-497D-4BD1-A2AB-78673AF6BF28}"/>
               </a:ext>
             </a:extLst>
           </p:cNvPr>
@@ -166,7 +166,7 @@
           <p:cNvPr id="3" name="副标题 2">
             <a:extLst>
               <a:ext uri="{FF2B5EF4-FFF2-40B4-BE49-F238E27FC236}">
-                <a16:creationId xmlns:a16="http://schemas.microsoft.com/office/drawing/2014/main" id="{826E8C98-3084-93D6-6434-14E74DE45670}"/>
+                <a16:creationId xmlns:a16="http://schemas.microsoft.com/office/drawing/2014/main" id="{FF6085E2-D923-EAD5-2AB9-5C5D5D2D72FD}"/>
               </a:ext>
             </a:extLst>
           </p:cNvPr>
@@ -236,7 +236,7 @@
           <p:cNvPr id="4" name="日期占位符 3">
             <a:extLst>
               <a:ext uri="{FF2B5EF4-FFF2-40B4-BE49-F238E27FC236}">
-                <a16:creationId xmlns:a16="http://schemas.microsoft.com/office/drawing/2014/main" id="{F314DB18-71BE-1FE5-099D-97998EA16AC8}"/>
+                <a16:creationId xmlns:a16="http://schemas.microsoft.com/office/drawing/2014/main" id="{86EE1FB7-C6B9-A3BB-3F4C-61FCB0F32FAB}"/>
               </a:ext>
             </a:extLst>
           </p:cNvPr>
@@ -252,7 +252,7 @@
           <a:bodyPr/>
           <a:lstStyle/>
           <a:p>
-            <a:fld id="{06E9AB9A-7154-410B-839B-B1647FE30EE5}" type="datetimeFigureOut">
+            <a:fld id="{BAD428C2-B8B1-4FB9-828E-1AA395A6F9FB}" type="datetimeFigureOut">
               <a:rPr lang="zh-CN" altLang="en-US" smtClean="0"/>
               <a:t>2024/3/10</a:t>
             </a:fld>
@@ -265,7 +265,7 @@
           <p:cNvPr id="5" name="页脚占位符 4">
             <a:extLst>
               <a:ext uri="{FF2B5EF4-FFF2-40B4-BE49-F238E27FC236}">
-                <a16:creationId xmlns:a16="http://schemas.microsoft.com/office/drawing/2014/main" id="{498815E4-1B73-8FCD-D3AB-5E4AF1885991}"/>
+                <a16:creationId xmlns:a16="http://schemas.microsoft.com/office/drawing/2014/main" id="{CA08745A-1783-70C4-046F-853404100CAB}"/>
               </a:ext>
             </a:extLst>
           </p:cNvPr>
@@ -290,7 +290,7 @@
           <p:cNvPr id="6" name="灯片编号占位符 5">
             <a:extLst>
               <a:ext uri="{FF2B5EF4-FFF2-40B4-BE49-F238E27FC236}">
-                <a16:creationId xmlns:a16="http://schemas.microsoft.com/office/drawing/2014/main" id="{9E611776-A07D-0E3B-3CE2-041311BE35DD}"/>
+                <a16:creationId xmlns:a16="http://schemas.microsoft.com/office/drawing/2014/main" id="{BC12A209-1CBF-A3BD-EE15-2C32A34171A7}"/>
               </a:ext>
             </a:extLst>
           </p:cNvPr>
@@ -306,7 +306,7 @@
           <a:bodyPr/>
           <a:lstStyle/>
           <a:p>
-            <a:fld id="{5A4FC2C7-5C40-4CF2-BBEC-8F3422CA57DD}" type="slidenum">
+            <a:fld id="{22A1681A-02A9-461A-BC3F-C0C933685AF5}" type="slidenum">
               <a:rPr lang="zh-CN" altLang="en-US" smtClean="0"/>
               <a:t>‹#›</a:t>
             </a:fld>
@@ -317,7 +317,7 @@
     </p:spTree>
     <p:extLst>
       <p:ext uri="{BB962C8B-B14F-4D97-AF65-F5344CB8AC3E}">
-        <p14:creationId xmlns:p14="http://schemas.microsoft.com/office/powerpoint/2010/main" val="1851212465"/>
+        <p14:creationId xmlns:p14="http://schemas.microsoft.com/office/powerpoint/2010/main" val="307850062"/>
       </p:ext>
     </p:extLst>
   </p:cSld>
@@ -349,7 +349,7 @@
           <p:cNvPr id="2" name="标题 1">
             <a:extLst>
               <a:ext uri="{FF2B5EF4-FFF2-40B4-BE49-F238E27FC236}">
-                <a16:creationId xmlns:a16="http://schemas.microsoft.com/office/drawing/2014/main" id="{8B9095C1-0D13-B020-7DE9-2CAB133285D4}"/>
+                <a16:creationId xmlns:a16="http://schemas.microsoft.com/office/drawing/2014/main" id="{21E3BDE1-F939-9885-AF70-A6B949DABF52}"/>
               </a:ext>
             </a:extLst>
           </p:cNvPr>
@@ -377,7 +377,7 @@
           <p:cNvPr id="3" name="竖排文字占位符 2">
             <a:extLst>
               <a:ext uri="{FF2B5EF4-FFF2-40B4-BE49-F238E27FC236}">
-                <a16:creationId xmlns:a16="http://schemas.microsoft.com/office/drawing/2014/main" id="{33892714-02E6-CB17-BB1D-522B6949B355}"/>
+                <a16:creationId xmlns:a16="http://schemas.microsoft.com/office/drawing/2014/main" id="{77DA29B8-AD2B-FD3A-241B-EB24A7F9C583}"/>
               </a:ext>
             </a:extLst>
           </p:cNvPr>
@@ -434,7 +434,7 @@
           <p:cNvPr id="4" name="日期占位符 3">
             <a:extLst>
               <a:ext uri="{FF2B5EF4-FFF2-40B4-BE49-F238E27FC236}">
-                <a16:creationId xmlns:a16="http://schemas.microsoft.com/office/drawing/2014/main" id="{2D7C6595-A7C7-7F90-5D33-33F8B35D2D62}"/>
+                <a16:creationId xmlns:a16="http://schemas.microsoft.com/office/drawing/2014/main" id="{3379045D-4739-EDB9-A4FC-9A2DB15F22C8}"/>
               </a:ext>
             </a:extLst>
           </p:cNvPr>
@@ -450,7 +450,7 @@
           <a:bodyPr/>
           <a:lstStyle/>
           <a:p>
-            <a:fld id="{06E9AB9A-7154-410B-839B-B1647FE30EE5}" type="datetimeFigureOut">
+            <a:fld id="{BAD428C2-B8B1-4FB9-828E-1AA395A6F9FB}" type="datetimeFigureOut">
               <a:rPr lang="zh-CN" altLang="en-US" smtClean="0"/>
               <a:t>2024/3/10</a:t>
             </a:fld>
@@ -463,7 +463,7 @@
           <p:cNvPr id="5" name="页脚占位符 4">
             <a:extLst>
               <a:ext uri="{FF2B5EF4-FFF2-40B4-BE49-F238E27FC236}">
-                <a16:creationId xmlns:a16="http://schemas.microsoft.com/office/drawing/2014/main" id="{70581EDD-67F6-DB42-6415-A3CDF1C3E388}"/>
+                <a16:creationId xmlns:a16="http://schemas.microsoft.com/office/drawing/2014/main" id="{9788D354-6184-4255-4655-A88B380A2B96}"/>
               </a:ext>
             </a:extLst>
           </p:cNvPr>
@@ -488,7 +488,7 @@
           <p:cNvPr id="6" name="灯片编号占位符 5">
             <a:extLst>
               <a:ext uri="{FF2B5EF4-FFF2-40B4-BE49-F238E27FC236}">
-                <a16:creationId xmlns:a16="http://schemas.microsoft.com/office/drawing/2014/main" id="{CBAA4FCD-6353-A46C-B725-D4A93BB95661}"/>
+                <a16:creationId xmlns:a16="http://schemas.microsoft.com/office/drawing/2014/main" id="{48A12D99-EB02-5C40-2AC8-B82070D6BF67}"/>
               </a:ext>
             </a:extLst>
           </p:cNvPr>
@@ -504,7 +504,7 @@
           <a:bodyPr/>
           <a:lstStyle/>
           <a:p>
-            <a:fld id="{5A4FC2C7-5C40-4CF2-BBEC-8F3422CA57DD}" type="slidenum">
+            <a:fld id="{22A1681A-02A9-461A-BC3F-C0C933685AF5}" type="slidenum">
               <a:rPr lang="zh-CN" altLang="en-US" smtClean="0"/>
               <a:t>‹#›</a:t>
             </a:fld>
@@ -515,7 +515,7 @@
     </p:spTree>
     <p:extLst>
       <p:ext uri="{BB962C8B-B14F-4D97-AF65-F5344CB8AC3E}">
-        <p14:creationId xmlns:p14="http://schemas.microsoft.com/office/powerpoint/2010/main" val="4279090755"/>
+        <p14:creationId xmlns:p14="http://schemas.microsoft.com/office/powerpoint/2010/main" val="1575374413"/>
       </p:ext>
     </p:extLst>
   </p:cSld>
@@ -547,7 +547,7 @@
           <p:cNvPr id="2" name="竖排标题 1">
             <a:extLst>
               <a:ext uri="{FF2B5EF4-FFF2-40B4-BE49-F238E27FC236}">
-                <a16:creationId xmlns:a16="http://schemas.microsoft.com/office/drawing/2014/main" id="{51200D36-5155-6982-E280-7E96DFBB5160}"/>
+                <a16:creationId xmlns:a16="http://schemas.microsoft.com/office/drawing/2014/main" id="{B5961005-A118-2C6E-4446-D7E359C3C55E}"/>
               </a:ext>
             </a:extLst>
           </p:cNvPr>
@@ -580,7 +580,7 @@
           <p:cNvPr id="3" name="竖排文字占位符 2">
             <a:extLst>
               <a:ext uri="{FF2B5EF4-FFF2-40B4-BE49-F238E27FC236}">
-                <a16:creationId xmlns:a16="http://schemas.microsoft.com/office/drawing/2014/main" id="{D22C6CB9-AB63-EB57-FF2C-5F625295C3A5}"/>
+                <a16:creationId xmlns:a16="http://schemas.microsoft.com/office/drawing/2014/main" id="{E264C5AC-76A8-5DC9-86E1-8932007242E0}"/>
               </a:ext>
             </a:extLst>
           </p:cNvPr>
@@ -642,7 +642,7 @@
           <p:cNvPr id="4" name="日期占位符 3">
             <a:extLst>
               <a:ext uri="{FF2B5EF4-FFF2-40B4-BE49-F238E27FC236}">
-                <a16:creationId xmlns:a16="http://schemas.microsoft.com/office/drawing/2014/main" id="{FF9A1890-FF7A-F191-A1DE-1011BD91BA55}"/>
+                <a16:creationId xmlns:a16="http://schemas.microsoft.com/office/drawing/2014/main" id="{D9D408A0-88E0-49DB-17EB-7647A4EA759A}"/>
               </a:ext>
             </a:extLst>
           </p:cNvPr>
@@ -658,7 +658,7 @@
           <a:bodyPr/>
           <a:lstStyle/>
           <a:p>
-            <a:fld id="{06E9AB9A-7154-410B-839B-B1647FE30EE5}" type="datetimeFigureOut">
+            <a:fld id="{BAD428C2-B8B1-4FB9-828E-1AA395A6F9FB}" type="datetimeFigureOut">
               <a:rPr lang="zh-CN" altLang="en-US" smtClean="0"/>
               <a:t>2024/3/10</a:t>
             </a:fld>
@@ -671,7 +671,7 @@
           <p:cNvPr id="5" name="页脚占位符 4">
             <a:extLst>
               <a:ext uri="{FF2B5EF4-FFF2-40B4-BE49-F238E27FC236}">
-                <a16:creationId xmlns:a16="http://schemas.microsoft.com/office/drawing/2014/main" id="{9019C272-FC0C-133B-D20C-E2E19097DCD5}"/>
+                <a16:creationId xmlns:a16="http://schemas.microsoft.com/office/drawing/2014/main" id="{77CB2383-4CD8-7B5A-C5E4-3575F2C8CB43}"/>
               </a:ext>
             </a:extLst>
           </p:cNvPr>
@@ -696,7 +696,7 @@
           <p:cNvPr id="6" name="灯片编号占位符 5">
             <a:extLst>
               <a:ext uri="{FF2B5EF4-FFF2-40B4-BE49-F238E27FC236}">
-                <a16:creationId xmlns:a16="http://schemas.microsoft.com/office/drawing/2014/main" id="{F133F3BA-B411-F851-6FA5-FA613AF676D2}"/>
+                <a16:creationId xmlns:a16="http://schemas.microsoft.com/office/drawing/2014/main" id="{35EDD83C-DF2F-6702-0658-BF04C41BA89B}"/>
               </a:ext>
             </a:extLst>
           </p:cNvPr>
@@ -712,7 +712,7 @@
           <a:bodyPr/>
           <a:lstStyle/>
           <a:p>
-            <a:fld id="{5A4FC2C7-5C40-4CF2-BBEC-8F3422CA57DD}" type="slidenum">
+            <a:fld id="{22A1681A-02A9-461A-BC3F-C0C933685AF5}" type="slidenum">
               <a:rPr lang="zh-CN" altLang="en-US" smtClean="0"/>
               <a:t>‹#›</a:t>
             </a:fld>
@@ -723,7 +723,7 @@
     </p:spTree>
     <p:extLst>
       <p:ext uri="{BB962C8B-B14F-4D97-AF65-F5344CB8AC3E}">
-        <p14:creationId xmlns:p14="http://schemas.microsoft.com/office/powerpoint/2010/main" val="1898836251"/>
+        <p14:creationId xmlns:p14="http://schemas.microsoft.com/office/powerpoint/2010/main" val="101786925"/>
       </p:ext>
     </p:extLst>
   </p:cSld>
@@ -755,7 +755,7 @@
           <p:cNvPr id="2" name="标题 1">
             <a:extLst>
               <a:ext uri="{FF2B5EF4-FFF2-40B4-BE49-F238E27FC236}">
-                <a16:creationId xmlns:a16="http://schemas.microsoft.com/office/drawing/2014/main" id="{44F20F09-F8AA-3ABB-DB7F-2E5BD5B5F2E5}"/>
+                <a16:creationId xmlns:a16="http://schemas.microsoft.com/office/drawing/2014/main" id="{2B47C2FA-E8C9-DB0C-FD1A-DD2C579E2589}"/>
               </a:ext>
             </a:extLst>
           </p:cNvPr>
@@ -783,7 +783,7 @@
           <p:cNvPr id="3" name="内容占位符 2">
             <a:extLst>
               <a:ext uri="{FF2B5EF4-FFF2-40B4-BE49-F238E27FC236}">
-                <a16:creationId xmlns:a16="http://schemas.microsoft.com/office/drawing/2014/main" id="{7E37DB8A-4519-8034-85FA-E440657FBC4D}"/>
+                <a16:creationId xmlns:a16="http://schemas.microsoft.com/office/drawing/2014/main" id="{6417A09D-E802-C462-5E69-C2C7BCADB4F9}"/>
               </a:ext>
             </a:extLst>
           </p:cNvPr>
@@ -840,7 +840,7 @@
           <p:cNvPr id="4" name="日期占位符 3">
             <a:extLst>
               <a:ext uri="{FF2B5EF4-FFF2-40B4-BE49-F238E27FC236}">
-                <a16:creationId xmlns:a16="http://schemas.microsoft.com/office/drawing/2014/main" id="{17B3118F-F7DC-0AC7-6CAE-EA539B4C0F3C}"/>
+                <a16:creationId xmlns:a16="http://schemas.microsoft.com/office/drawing/2014/main" id="{E3D7EEEA-0C51-DF0D-A98C-8D00BED678E5}"/>
               </a:ext>
             </a:extLst>
           </p:cNvPr>
@@ -856,7 +856,7 @@
           <a:bodyPr/>
           <a:lstStyle/>
           <a:p>
-            <a:fld id="{06E9AB9A-7154-410B-839B-B1647FE30EE5}" type="datetimeFigureOut">
+            <a:fld id="{BAD428C2-B8B1-4FB9-828E-1AA395A6F9FB}" type="datetimeFigureOut">
               <a:rPr lang="zh-CN" altLang="en-US" smtClean="0"/>
               <a:t>2024/3/10</a:t>
             </a:fld>
@@ -869,7 +869,7 @@
           <p:cNvPr id="5" name="页脚占位符 4">
             <a:extLst>
               <a:ext uri="{FF2B5EF4-FFF2-40B4-BE49-F238E27FC236}">
-                <a16:creationId xmlns:a16="http://schemas.microsoft.com/office/drawing/2014/main" id="{193A31DB-F729-09F1-DA51-B84A8B4860CB}"/>
+                <a16:creationId xmlns:a16="http://schemas.microsoft.com/office/drawing/2014/main" id="{D2304B4F-139D-0AC3-A537-B5DFA50961F7}"/>
               </a:ext>
             </a:extLst>
           </p:cNvPr>
@@ -894,7 +894,7 @@
           <p:cNvPr id="6" name="灯片编号占位符 5">
             <a:extLst>
               <a:ext uri="{FF2B5EF4-FFF2-40B4-BE49-F238E27FC236}">
-                <a16:creationId xmlns:a16="http://schemas.microsoft.com/office/drawing/2014/main" id="{A6990237-5A4B-7FC3-A8AF-B445EE3CE57E}"/>
+                <a16:creationId xmlns:a16="http://schemas.microsoft.com/office/drawing/2014/main" id="{C41578FD-6336-11BD-CCD1-D1EFEF75D620}"/>
               </a:ext>
             </a:extLst>
           </p:cNvPr>
@@ -910,7 +910,7 @@
           <a:bodyPr/>
           <a:lstStyle/>
           <a:p>
-            <a:fld id="{5A4FC2C7-5C40-4CF2-BBEC-8F3422CA57DD}" type="slidenum">
+            <a:fld id="{22A1681A-02A9-461A-BC3F-C0C933685AF5}" type="slidenum">
               <a:rPr lang="zh-CN" altLang="en-US" smtClean="0"/>
               <a:t>‹#›</a:t>
             </a:fld>
@@ -921,7 +921,7 @@
     </p:spTree>
     <p:extLst>
       <p:ext uri="{BB962C8B-B14F-4D97-AF65-F5344CB8AC3E}">
-        <p14:creationId xmlns:p14="http://schemas.microsoft.com/office/powerpoint/2010/main" val="2878240103"/>
+        <p14:creationId xmlns:p14="http://schemas.microsoft.com/office/powerpoint/2010/main" val="242837248"/>
       </p:ext>
     </p:extLst>
   </p:cSld>
@@ -953,7 +953,7 @@
           <p:cNvPr id="2" name="标题 1">
             <a:extLst>
               <a:ext uri="{FF2B5EF4-FFF2-40B4-BE49-F238E27FC236}">
-                <a16:creationId xmlns:a16="http://schemas.microsoft.com/office/drawing/2014/main" id="{6D6A37C1-3453-7D18-ED25-26D5DD9F91D3}"/>
+                <a16:creationId xmlns:a16="http://schemas.microsoft.com/office/drawing/2014/main" id="{CEC974CF-DC9C-179C-DABB-B92467467D1A}"/>
               </a:ext>
             </a:extLst>
           </p:cNvPr>
@@ -990,7 +990,7 @@
           <p:cNvPr id="3" name="文本占位符 2">
             <a:extLst>
               <a:ext uri="{FF2B5EF4-FFF2-40B4-BE49-F238E27FC236}">
-                <a16:creationId xmlns:a16="http://schemas.microsoft.com/office/drawing/2014/main" id="{FBA7CEDD-23BD-E3D2-66F5-828D0E148A19}"/>
+                <a16:creationId xmlns:a16="http://schemas.microsoft.com/office/drawing/2014/main" id="{A5DB0FFC-2C7D-933A-DFAE-439F64E3945C}"/>
               </a:ext>
             </a:extLst>
           </p:cNvPr>
@@ -1115,7 +1115,7 @@
           <p:cNvPr id="4" name="日期占位符 3">
             <a:extLst>
               <a:ext uri="{FF2B5EF4-FFF2-40B4-BE49-F238E27FC236}">
-                <a16:creationId xmlns:a16="http://schemas.microsoft.com/office/drawing/2014/main" id="{71372F1A-549B-68C8-F8CC-09E8E131E31D}"/>
+                <a16:creationId xmlns:a16="http://schemas.microsoft.com/office/drawing/2014/main" id="{0802CB09-4579-AA7F-AADC-92704126211F}"/>
               </a:ext>
             </a:extLst>
           </p:cNvPr>
@@ -1131,7 +1131,7 @@
           <a:bodyPr/>
           <a:lstStyle/>
           <a:p>
-            <a:fld id="{06E9AB9A-7154-410B-839B-B1647FE30EE5}" type="datetimeFigureOut">
+            <a:fld id="{BAD428C2-B8B1-4FB9-828E-1AA395A6F9FB}" type="datetimeFigureOut">
               <a:rPr lang="zh-CN" altLang="en-US" smtClean="0"/>
               <a:t>2024/3/10</a:t>
             </a:fld>
@@ -1144,7 +1144,7 @@
           <p:cNvPr id="5" name="页脚占位符 4">
             <a:extLst>
               <a:ext uri="{FF2B5EF4-FFF2-40B4-BE49-F238E27FC236}">
-                <a16:creationId xmlns:a16="http://schemas.microsoft.com/office/drawing/2014/main" id="{0FE55F5F-41E9-410D-E31F-EA240AE958D9}"/>
+                <a16:creationId xmlns:a16="http://schemas.microsoft.com/office/drawing/2014/main" id="{1F2DA3D4-3CC5-2F39-9418-F2FD5B637B04}"/>
               </a:ext>
             </a:extLst>
           </p:cNvPr>
@@ -1169,7 +1169,7 @@
           <p:cNvPr id="6" name="灯片编号占位符 5">
             <a:extLst>
               <a:ext uri="{FF2B5EF4-FFF2-40B4-BE49-F238E27FC236}">
-                <a16:creationId xmlns:a16="http://schemas.microsoft.com/office/drawing/2014/main" id="{97F2C851-E968-F29D-52EC-5CD2169B5BA8}"/>
+                <a16:creationId xmlns:a16="http://schemas.microsoft.com/office/drawing/2014/main" id="{DEE5BD72-0347-0955-B10E-819E4FCB4D0E}"/>
               </a:ext>
             </a:extLst>
           </p:cNvPr>
@@ -1185,7 +1185,7 @@
           <a:bodyPr/>
           <a:lstStyle/>
           <a:p>
-            <a:fld id="{5A4FC2C7-5C40-4CF2-BBEC-8F3422CA57DD}" type="slidenum">
+            <a:fld id="{22A1681A-02A9-461A-BC3F-C0C933685AF5}" type="slidenum">
               <a:rPr lang="zh-CN" altLang="en-US" smtClean="0"/>
               <a:t>‹#›</a:t>
             </a:fld>
@@ -1196,7 +1196,7 @@
     </p:spTree>
     <p:extLst>
       <p:ext uri="{BB962C8B-B14F-4D97-AF65-F5344CB8AC3E}">
-        <p14:creationId xmlns:p14="http://schemas.microsoft.com/office/powerpoint/2010/main" val="4158021982"/>
+        <p14:creationId xmlns:p14="http://schemas.microsoft.com/office/powerpoint/2010/main" val="2053754603"/>
       </p:ext>
     </p:extLst>
   </p:cSld>
@@ -1228,7 +1228,7 @@
           <p:cNvPr id="2" name="标题 1">
             <a:extLst>
               <a:ext uri="{FF2B5EF4-FFF2-40B4-BE49-F238E27FC236}">
-                <a16:creationId xmlns:a16="http://schemas.microsoft.com/office/drawing/2014/main" id="{C5B248BD-2AA5-9D4F-E78C-CD54202C71E7}"/>
+                <a16:creationId xmlns:a16="http://schemas.microsoft.com/office/drawing/2014/main" id="{114C0B5D-1959-376E-DD8B-DDDB6389D104}"/>
               </a:ext>
             </a:extLst>
           </p:cNvPr>
@@ -1256,7 +1256,7 @@
           <p:cNvPr id="3" name="内容占位符 2">
             <a:extLst>
               <a:ext uri="{FF2B5EF4-FFF2-40B4-BE49-F238E27FC236}">
-                <a16:creationId xmlns:a16="http://schemas.microsoft.com/office/drawing/2014/main" id="{0A3AE84C-170F-06A6-9D8A-073AD4FF6095}"/>
+                <a16:creationId xmlns:a16="http://schemas.microsoft.com/office/drawing/2014/main" id="{22213E03-3E56-41F2-768F-7F54862A2EF4}"/>
               </a:ext>
             </a:extLst>
           </p:cNvPr>
@@ -1318,7 +1318,7 @@
           <p:cNvPr id="4" name="内容占位符 3">
             <a:extLst>
               <a:ext uri="{FF2B5EF4-FFF2-40B4-BE49-F238E27FC236}">
-                <a16:creationId xmlns:a16="http://schemas.microsoft.com/office/drawing/2014/main" id="{A1A00AFE-E452-7958-DA3B-B105B1185073}"/>
+                <a16:creationId xmlns:a16="http://schemas.microsoft.com/office/drawing/2014/main" id="{315CE127-BD30-1CD2-AE03-3BB781585443}"/>
               </a:ext>
             </a:extLst>
           </p:cNvPr>
@@ -1380,7 +1380,7 @@
           <p:cNvPr id="5" name="日期占位符 4">
             <a:extLst>
               <a:ext uri="{FF2B5EF4-FFF2-40B4-BE49-F238E27FC236}">
-                <a16:creationId xmlns:a16="http://schemas.microsoft.com/office/drawing/2014/main" id="{4D77BF11-E202-FC19-F36E-4B507E5CE209}"/>
+                <a16:creationId xmlns:a16="http://schemas.microsoft.com/office/drawing/2014/main" id="{C0BC384A-0B37-B9B1-1839-BC4D0B86A710}"/>
               </a:ext>
             </a:extLst>
           </p:cNvPr>
@@ -1396,7 +1396,7 @@
           <a:bodyPr/>
           <a:lstStyle/>
           <a:p>
-            <a:fld id="{06E9AB9A-7154-410B-839B-B1647FE30EE5}" type="datetimeFigureOut">
+            <a:fld id="{BAD428C2-B8B1-4FB9-828E-1AA395A6F9FB}" type="datetimeFigureOut">
               <a:rPr lang="zh-CN" altLang="en-US" smtClean="0"/>
               <a:t>2024/3/10</a:t>
             </a:fld>
@@ -1409,7 +1409,7 @@
           <p:cNvPr id="6" name="页脚占位符 5">
             <a:extLst>
               <a:ext uri="{FF2B5EF4-FFF2-40B4-BE49-F238E27FC236}">
-                <a16:creationId xmlns:a16="http://schemas.microsoft.com/office/drawing/2014/main" id="{6208EEFA-39C9-F085-0788-D993606B7A05}"/>
+                <a16:creationId xmlns:a16="http://schemas.microsoft.com/office/drawing/2014/main" id="{B4BD3B27-9F35-CD16-32D6-A949E9A48323}"/>
               </a:ext>
             </a:extLst>
           </p:cNvPr>
@@ -1434,7 +1434,7 @@
           <p:cNvPr id="7" name="灯片编号占位符 6">
             <a:extLst>
               <a:ext uri="{FF2B5EF4-FFF2-40B4-BE49-F238E27FC236}">
-                <a16:creationId xmlns:a16="http://schemas.microsoft.com/office/drawing/2014/main" id="{93CAFFD7-13AD-22F6-5828-BFC5EFD13719}"/>
+                <a16:creationId xmlns:a16="http://schemas.microsoft.com/office/drawing/2014/main" id="{A72156F9-A2E3-FC77-E017-583AC4F1B4F5}"/>
               </a:ext>
             </a:extLst>
           </p:cNvPr>
@@ -1450,7 +1450,7 @@
           <a:bodyPr/>
           <a:lstStyle/>
           <a:p>
-            <a:fld id="{5A4FC2C7-5C40-4CF2-BBEC-8F3422CA57DD}" type="slidenum">
+            <a:fld id="{22A1681A-02A9-461A-BC3F-C0C933685AF5}" type="slidenum">
               <a:rPr lang="zh-CN" altLang="en-US" smtClean="0"/>
               <a:t>‹#›</a:t>
             </a:fld>
@@ -1461,7 +1461,7 @@
     </p:spTree>
     <p:extLst>
       <p:ext uri="{BB962C8B-B14F-4D97-AF65-F5344CB8AC3E}">
-        <p14:creationId xmlns:p14="http://schemas.microsoft.com/office/powerpoint/2010/main" val="3031856661"/>
+        <p14:creationId xmlns:p14="http://schemas.microsoft.com/office/powerpoint/2010/main" val="2620433897"/>
       </p:ext>
     </p:extLst>
   </p:cSld>
@@ -1493,7 +1493,7 @@
           <p:cNvPr id="2" name="标题 1">
             <a:extLst>
               <a:ext uri="{FF2B5EF4-FFF2-40B4-BE49-F238E27FC236}">
-                <a16:creationId xmlns:a16="http://schemas.microsoft.com/office/drawing/2014/main" id="{03FC5858-A549-0A29-14B9-91D328FC05B9}"/>
+                <a16:creationId xmlns:a16="http://schemas.microsoft.com/office/drawing/2014/main" id="{D6AB103D-6DF8-2A31-2530-4E51E0DCFB2F}"/>
               </a:ext>
             </a:extLst>
           </p:cNvPr>
@@ -1526,7 +1526,7 @@
           <p:cNvPr id="3" name="文本占位符 2">
             <a:extLst>
               <a:ext uri="{FF2B5EF4-FFF2-40B4-BE49-F238E27FC236}">
-                <a16:creationId xmlns:a16="http://schemas.microsoft.com/office/drawing/2014/main" id="{5CE685FE-FCEC-0EB7-80CB-53E0CE820536}"/>
+                <a16:creationId xmlns:a16="http://schemas.microsoft.com/office/drawing/2014/main" id="{BC7D4654-6337-C79D-68DF-7481E5B58F31}"/>
               </a:ext>
             </a:extLst>
           </p:cNvPr>
@@ -1597,7 +1597,7 @@
           <p:cNvPr id="4" name="内容占位符 3">
             <a:extLst>
               <a:ext uri="{FF2B5EF4-FFF2-40B4-BE49-F238E27FC236}">
-                <a16:creationId xmlns:a16="http://schemas.microsoft.com/office/drawing/2014/main" id="{C3FB97A2-AE95-3313-B5B8-ECFE833FE138}"/>
+                <a16:creationId xmlns:a16="http://schemas.microsoft.com/office/drawing/2014/main" id="{27347951-8E24-75F5-D737-0DB375D8325F}"/>
               </a:ext>
             </a:extLst>
           </p:cNvPr>
@@ -1659,7 +1659,7 @@
           <p:cNvPr id="5" name="文本占位符 4">
             <a:extLst>
               <a:ext uri="{FF2B5EF4-FFF2-40B4-BE49-F238E27FC236}">
-                <a16:creationId xmlns:a16="http://schemas.microsoft.com/office/drawing/2014/main" id="{6B49FBA1-5D2F-8618-84AB-CA861FB78D5F}"/>
+                <a16:creationId xmlns:a16="http://schemas.microsoft.com/office/drawing/2014/main" id="{EA96FD22-2292-AE27-90B2-7972146EABF4}"/>
               </a:ext>
             </a:extLst>
           </p:cNvPr>
@@ -1730,7 +1730,7 @@
           <p:cNvPr id="6" name="内容占位符 5">
             <a:extLst>
               <a:ext uri="{FF2B5EF4-FFF2-40B4-BE49-F238E27FC236}">
-                <a16:creationId xmlns:a16="http://schemas.microsoft.com/office/drawing/2014/main" id="{E14490D2-9154-9B68-86CA-21497888FC6F}"/>
+                <a16:creationId xmlns:a16="http://schemas.microsoft.com/office/drawing/2014/main" id="{75E37CB3-46F0-8782-5E81-44A10EAC0D16}"/>
               </a:ext>
             </a:extLst>
           </p:cNvPr>
@@ -1792,7 +1792,7 @@
           <p:cNvPr id="7" name="日期占位符 6">
             <a:extLst>
               <a:ext uri="{FF2B5EF4-FFF2-40B4-BE49-F238E27FC236}">
-                <a16:creationId xmlns:a16="http://schemas.microsoft.com/office/drawing/2014/main" id="{70464247-C7D9-2564-38C1-A59CDD587C0E}"/>
+                <a16:creationId xmlns:a16="http://schemas.microsoft.com/office/drawing/2014/main" id="{3159A89C-D37F-7494-618F-8650BFE3D6AC}"/>
               </a:ext>
             </a:extLst>
           </p:cNvPr>
@@ -1808,7 +1808,7 @@
           <a:bodyPr/>
           <a:lstStyle/>
           <a:p>
-            <a:fld id="{06E9AB9A-7154-410B-839B-B1647FE30EE5}" type="datetimeFigureOut">
+            <a:fld id="{BAD428C2-B8B1-4FB9-828E-1AA395A6F9FB}" type="datetimeFigureOut">
               <a:rPr lang="zh-CN" altLang="en-US" smtClean="0"/>
               <a:t>2024/3/10</a:t>
             </a:fld>
@@ -1821,7 +1821,7 @@
           <p:cNvPr id="8" name="页脚占位符 7">
             <a:extLst>
               <a:ext uri="{FF2B5EF4-FFF2-40B4-BE49-F238E27FC236}">
-                <a16:creationId xmlns:a16="http://schemas.microsoft.com/office/drawing/2014/main" id="{4A9C5300-0245-E024-79A4-2BC174ABE20B}"/>
+                <a16:creationId xmlns:a16="http://schemas.microsoft.com/office/drawing/2014/main" id="{D1D752EA-434B-37D8-F05E-FC84E8571BE1}"/>
               </a:ext>
             </a:extLst>
           </p:cNvPr>
@@ -1846,7 +1846,7 @@
           <p:cNvPr id="9" name="灯片编号占位符 8">
             <a:extLst>
               <a:ext uri="{FF2B5EF4-FFF2-40B4-BE49-F238E27FC236}">
-                <a16:creationId xmlns:a16="http://schemas.microsoft.com/office/drawing/2014/main" id="{03B2E5B7-A4D8-BCCB-40A3-435C6A37ABAA}"/>
+                <a16:creationId xmlns:a16="http://schemas.microsoft.com/office/drawing/2014/main" id="{9F3A01CD-B775-B91B-D76D-CADFB14870E2}"/>
               </a:ext>
             </a:extLst>
           </p:cNvPr>
@@ -1862,7 +1862,7 @@
           <a:bodyPr/>
           <a:lstStyle/>
           <a:p>
-            <a:fld id="{5A4FC2C7-5C40-4CF2-BBEC-8F3422CA57DD}" type="slidenum">
+            <a:fld id="{22A1681A-02A9-461A-BC3F-C0C933685AF5}" type="slidenum">
               <a:rPr lang="zh-CN" altLang="en-US" smtClean="0"/>
               <a:t>‹#›</a:t>
             </a:fld>
@@ -1873,7 +1873,7 @@
     </p:spTree>
     <p:extLst>
       <p:ext uri="{BB962C8B-B14F-4D97-AF65-F5344CB8AC3E}">
-        <p14:creationId xmlns:p14="http://schemas.microsoft.com/office/powerpoint/2010/main" val="76412756"/>
+        <p14:creationId xmlns:p14="http://schemas.microsoft.com/office/powerpoint/2010/main" val="744288105"/>
       </p:ext>
     </p:extLst>
   </p:cSld>
@@ -1905,7 +1905,7 @@
           <p:cNvPr id="2" name="标题 1">
             <a:extLst>
               <a:ext uri="{FF2B5EF4-FFF2-40B4-BE49-F238E27FC236}">
-                <a16:creationId xmlns:a16="http://schemas.microsoft.com/office/drawing/2014/main" id="{8945E72E-6352-4FD6-9979-03112977A9E6}"/>
+                <a16:creationId xmlns:a16="http://schemas.microsoft.com/office/drawing/2014/main" id="{0C28121B-FA65-2204-E5A8-9A9F599129B0}"/>
               </a:ext>
             </a:extLst>
           </p:cNvPr>
@@ -1933,7 +1933,7 @@
           <p:cNvPr id="3" name="日期占位符 2">
             <a:extLst>
               <a:ext uri="{FF2B5EF4-FFF2-40B4-BE49-F238E27FC236}">
-                <a16:creationId xmlns:a16="http://schemas.microsoft.com/office/drawing/2014/main" id="{D2B68BE8-D0DA-B4FF-EB24-F6E460332BFE}"/>
+                <a16:creationId xmlns:a16="http://schemas.microsoft.com/office/drawing/2014/main" id="{609F29A9-9F52-61B2-8BA6-750243BAB876}"/>
               </a:ext>
             </a:extLst>
           </p:cNvPr>
@@ -1949,7 +1949,7 @@
           <a:bodyPr/>
           <a:lstStyle/>
           <a:p>
-            <a:fld id="{06E9AB9A-7154-410B-839B-B1647FE30EE5}" type="datetimeFigureOut">
+            <a:fld id="{BAD428C2-B8B1-4FB9-828E-1AA395A6F9FB}" type="datetimeFigureOut">
               <a:rPr lang="zh-CN" altLang="en-US" smtClean="0"/>
               <a:t>2024/3/10</a:t>
             </a:fld>
@@ -1962,7 +1962,7 @@
           <p:cNvPr id="4" name="页脚占位符 3">
             <a:extLst>
               <a:ext uri="{FF2B5EF4-FFF2-40B4-BE49-F238E27FC236}">
-                <a16:creationId xmlns:a16="http://schemas.microsoft.com/office/drawing/2014/main" id="{0AF4D447-1414-D69C-7797-A45C52381247}"/>
+                <a16:creationId xmlns:a16="http://schemas.microsoft.com/office/drawing/2014/main" id="{D6C3DBFB-D5B8-A190-2BBD-95759AB5CA45}"/>
               </a:ext>
             </a:extLst>
           </p:cNvPr>
@@ -1987,7 +1987,7 @@
           <p:cNvPr id="5" name="灯片编号占位符 4">
             <a:extLst>
               <a:ext uri="{FF2B5EF4-FFF2-40B4-BE49-F238E27FC236}">
-                <a16:creationId xmlns:a16="http://schemas.microsoft.com/office/drawing/2014/main" id="{D326049D-B349-0FBA-37B6-242448BC6F70}"/>
+                <a16:creationId xmlns:a16="http://schemas.microsoft.com/office/drawing/2014/main" id="{8AC60001-F559-890F-E9AF-A7AD536D1377}"/>
               </a:ext>
             </a:extLst>
           </p:cNvPr>
@@ -2003,7 +2003,7 @@
           <a:bodyPr/>
           <a:lstStyle/>
           <a:p>
-            <a:fld id="{5A4FC2C7-5C40-4CF2-BBEC-8F3422CA57DD}" type="slidenum">
+            <a:fld id="{22A1681A-02A9-461A-BC3F-C0C933685AF5}" type="slidenum">
               <a:rPr lang="zh-CN" altLang="en-US" smtClean="0"/>
               <a:t>‹#›</a:t>
             </a:fld>
@@ -2014,7 +2014,7 @@
     </p:spTree>
     <p:extLst>
       <p:ext uri="{BB962C8B-B14F-4D97-AF65-F5344CB8AC3E}">
-        <p14:creationId xmlns:p14="http://schemas.microsoft.com/office/powerpoint/2010/main" val="1556806372"/>
+        <p14:creationId xmlns:p14="http://schemas.microsoft.com/office/powerpoint/2010/main" val="1582517964"/>
       </p:ext>
     </p:extLst>
   </p:cSld>
@@ -2046,7 +2046,7 @@
           <p:cNvPr id="2" name="日期占位符 1">
             <a:extLst>
               <a:ext uri="{FF2B5EF4-FFF2-40B4-BE49-F238E27FC236}">
-                <a16:creationId xmlns:a16="http://schemas.microsoft.com/office/drawing/2014/main" id="{E785D86E-7CB9-C9EC-4CF7-C15C5237498B}"/>
+                <a16:creationId xmlns:a16="http://schemas.microsoft.com/office/drawing/2014/main" id="{AEAB3DFD-0CD6-8B9F-4F4E-6583968E4752}"/>
               </a:ext>
             </a:extLst>
           </p:cNvPr>
@@ -2062,7 +2062,7 @@
           <a:bodyPr/>
           <a:lstStyle/>
           <a:p>
-            <a:fld id="{06E9AB9A-7154-410B-839B-B1647FE30EE5}" type="datetimeFigureOut">
+            <a:fld id="{BAD428C2-B8B1-4FB9-828E-1AA395A6F9FB}" type="datetimeFigureOut">
               <a:rPr lang="zh-CN" altLang="en-US" smtClean="0"/>
               <a:t>2024/3/10</a:t>
             </a:fld>
@@ -2075,7 +2075,7 @@
           <p:cNvPr id="3" name="页脚占位符 2">
             <a:extLst>
               <a:ext uri="{FF2B5EF4-FFF2-40B4-BE49-F238E27FC236}">
-                <a16:creationId xmlns:a16="http://schemas.microsoft.com/office/drawing/2014/main" id="{479C03E9-1AAA-40DD-8510-FFA7757F3666}"/>
+                <a16:creationId xmlns:a16="http://schemas.microsoft.com/office/drawing/2014/main" id="{2110F56A-FD2A-488F-095B-934A1B1478FA}"/>
               </a:ext>
             </a:extLst>
           </p:cNvPr>
@@ -2100,7 +2100,7 @@
           <p:cNvPr id="4" name="灯片编号占位符 3">
             <a:extLst>
               <a:ext uri="{FF2B5EF4-FFF2-40B4-BE49-F238E27FC236}">
-                <a16:creationId xmlns:a16="http://schemas.microsoft.com/office/drawing/2014/main" id="{029A1E96-3FE3-9D45-EB7E-4D6D05BE2D88}"/>
+                <a16:creationId xmlns:a16="http://schemas.microsoft.com/office/drawing/2014/main" id="{E0148D9C-438C-2BC3-0491-566D70042610}"/>
               </a:ext>
             </a:extLst>
           </p:cNvPr>
@@ -2116,7 +2116,7 @@
           <a:bodyPr/>
           <a:lstStyle/>
           <a:p>
-            <a:fld id="{5A4FC2C7-5C40-4CF2-BBEC-8F3422CA57DD}" type="slidenum">
+            <a:fld id="{22A1681A-02A9-461A-BC3F-C0C933685AF5}" type="slidenum">
               <a:rPr lang="zh-CN" altLang="en-US" smtClean="0"/>
               <a:t>‹#›</a:t>
             </a:fld>
@@ -2127,7 +2127,7 @@
     </p:spTree>
     <p:extLst>
       <p:ext uri="{BB962C8B-B14F-4D97-AF65-F5344CB8AC3E}">
-        <p14:creationId xmlns:p14="http://schemas.microsoft.com/office/powerpoint/2010/main" val="420684128"/>
+        <p14:creationId xmlns:p14="http://schemas.microsoft.com/office/powerpoint/2010/main" val="173712567"/>
       </p:ext>
     </p:extLst>
   </p:cSld>
@@ -2159,7 +2159,7 @@
           <p:cNvPr id="2" name="标题 1">
             <a:extLst>
               <a:ext uri="{FF2B5EF4-FFF2-40B4-BE49-F238E27FC236}">
-                <a16:creationId xmlns:a16="http://schemas.microsoft.com/office/drawing/2014/main" id="{DB97730B-DE0A-3A22-5D59-7515F2CA7BD9}"/>
+                <a16:creationId xmlns:a16="http://schemas.microsoft.com/office/drawing/2014/main" id="{B36A5F97-0027-D001-7530-09FC3FC8ED9A}"/>
               </a:ext>
             </a:extLst>
           </p:cNvPr>
@@ -2196,7 +2196,7 @@
           <p:cNvPr id="3" name="内容占位符 2">
             <a:extLst>
               <a:ext uri="{FF2B5EF4-FFF2-40B4-BE49-F238E27FC236}">
-                <a16:creationId xmlns:a16="http://schemas.microsoft.com/office/drawing/2014/main" id="{619F34B0-C50E-DA10-A8B0-93732679D529}"/>
+                <a16:creationId xmlns:a16="http://schemas.microsoft.com/office/drawing/2014/main" id="{FFA2ECC6-585A-B8C6-D3F4-E462FC75D41D}"/>
               </a:ext>
             </a:extLst>
           </p:cNvPr>
@@ -2286,7 +2286,7 @@
           <p:cNvPr id="4" name="文本占位符 3">
             <a:extLst>
               <a:ext uri="{FF2B5EF4-FFF2-40B4-BE49-F238E27FC236}">
-                <a16:creationId xmlns:a16="http://schemas.microsoft.com/office/drawing/2014/main" id="{875B54F8-925A-02B6-80C1-760A3B3BEC19}"/>
+                <a16:creationId xmlns:a16="http://schemas.microsoft.com/office/drawing/2014/main" id="{E3AC75DE-8D77-B31F-220E-5B08D8171985}"/>
               </a:ext>
             </a:extLst>
           </p:cNvPr>
@@ -2357,7 +2357,7 @@
           <p:cNvPr id="5" name="日期占位符 4">
             <a:extLst>
               <a:ext uri="{FF2B5EF4-FFF2-40B4-BE49-F238E27FC236}">
-                <a16:creationId xmlns:a16="http://schemas.microsoft.com/office/drawing/2014/main" id="{551141D0-00D9-4407-B899-D326D28BED37}"/>
+                <a16:creationId xmlns:a16="http://schemas.microsoft.com/office/drawing/2014/main" id="{52CF0578-ACE1-54E9-C68D-5FA1D3CF0DFF}"/>
               </a:ext>
             </a:extLst>
           </p:cNvPr>
@@ -2373,7 +2373,7 @@
           <a:bodyPr/>
           <a:lstStyle/>
           <a:p>
-            <a:fld id="{06E9AB9A-7154-410B-839B-B1647FE30EE5}" type="datetimeFigureOut">
+            <a:fld id="{BAD428C2-B8B1-4FB9-828E-1AA395A6F9FB}" type="datetimeFigureOut">
               <a:rPr lang="zh-CN" altLang="en-US" smtClean="0"/>
               <a:t>2024/3/10</a:t>
             </a:fld>
@@ -2386,7 +2386,7 @@
           <p:cNvPr id="6" name="页脚占位符 5">
             <a:extLst>
               <a:ext uri="{FF2B5EF4-FFF2-40B4-BE49-F238E27FC236}">
-                <a16:creationId xmlns:a16="http://schemas.microsoft.com/office/drawing/2014/main" id="{6B903A3A-6AEC-3EE9-3AF0-C94779E55ADB}"/>
+                <a16:creationId xmlns:a16="http://schemas.microsoft.com/office/drawing/2014/main" id="{6DC87543-24B4-8912-4607-14DF81111CE6}"/>
               </a:ext>
             </a:extLst>
           </p:cNvPr>
@@ -2411,7 +2411,7 @@
           <p:cNvPr id="7" name="灯片编号占位符 6">
             <a:extLst>
               <a:ext uri="{FF2B5EF4-FFF2-40B4-BE49-F238E27FC236}">
-                <a16:creationId xmlns:a16="http://schemas.microsoft.com/office/drawing/2014/main" id="{8B8F86D6-F4F6-1E60-8CA6-6DF378E3201D}"/>
+                <a16:creationId xmlns:a16="http://schemas.microsoft.com/office/drawing/2014/main" id="{ED517B99-73B6-06E1-2DB2-473FEF79C72D}"/>
               </a:ext>
             </a:extLst>
           </p:cNvPr>
@@ -2427,7 +2427,7 @@
           <a:bodyPr/>
           <a:lstStyle/>
           <a:p>
-            <a:fld id="{5A4FC2C7-5C40-4CF2-BBEC-8F3422CA57DD}" type="slidenum">
+            <a:fld id="{22A1681A-02A9-461A-BC3F-C0C933685AF5}" type="slidenum">
               <a:rPr lang="zh-CN" altLang="en-US" smtClean="0"/>
               <a:t>‹#›</a:t>
             </a:fld>
@@ -2438,7 +2438,7 @@
     </p:spTree>
     <p:extLst>
       <p:ext uri="{BB962C8B-B14F-4D97-AF65-F5344CB8AC3E}">
-        <p14:creationId xmlns:p14="http://schemas.microsoft.com/office/powerpoint/2010/main" val="758087295"/>
+        <p14:creationId xmlns:p14="http://schemas.microsoft.com/office/powerpoint/2010/main" val="3479430447"/>
       </p:ext>
     </p:extLst>
   </p:cSld>
@@ -2470,7 +2470,7 @@
           <p:cNvPr id="2" name="标题 1">
             <a:extLst>
               <a:ext uri="{FF2B5EF4-FFF2-40B4-BE49-F238E27FC236}">
-                <a16:creationId xmlns:a16="http://schemas.microsoft.com/office/drawing/2014/main" id="{86BA934F-6618-042D-02A1-4138EE758C00}"/>
+                <a16:creationId xmlns:a16="http://schemas.microsoft.com/office/drawing/2014/main" id="{C321516F-7EDA-44FA-4414-02D5D19C3FDA}"/>
               </a:ext>
             </a:extLst>
           </p:cNvPr>
@@ -2507,7 +2507,7 @@
           <p:cNvPr id="3" name="图片占位符 2">
             <a:extLst>
               <a:ext uri="{FF2B5EF4-FFF2-40B4-BE49-F238E27FC236}">
-                <a16:creationId xmlns:a16="http://schemas.microsoft.com/office/drawing/2014/main" id="{44951297-CFB6-2F86-9C8D-A28E09C6B8B8}"/>
+                <a16:creationId xmlns:a16="http://schemas.microsoft.com/office/drawing/2014/main" id="{54DFA034-CE6E-B627-FA1A-87B11CF4AFA5}"/>
               </a:ext>
             </a:extLst>
           </p:cNvPr>
@@ -2574,7 +2574,7 @@
           <p:cNvPr id="4" name="文本占位符 3">
             <a:extLst>
               <a:ext uri="{FF2B5EF4-FFF2-40B4-BE49-F238E27FC236}">
-                <a16:creationId xmlns:a16="http://schemas.microsoft.com/office/drawing/2014/main" id="{B7C52586-D3A8-316D-F0A9-E27759F6B850}"/>
+                <a16:creationId xmlns:a16="http://schemas.microsoft.com/office/drawing/2014/main" id="{CC590081-62FB-FC78-AD73-6E0C4F4C1A7B}"/>
               </a:ext>
             </a:extLst>
           </p:cNvPr>
@@ -2645,7 +2645,7 @@
           <p:cNvPr id="5" name="日期占位符 4">
             <a:extLst>
               <a:ext uri="{FF2B5EF4-FFF2-40B4-BE49-F238E27FC236}">
-                <a16:creationId xmlns:a16="http://schemas.microsoft.com/office/drawing/2014/main" id="{5A25D236-DF2E-0129-1485-67AB521917F2}"/>
+                <a16:creationId xmlns:a16="http://schemas.microsoft.com/office/drawing/2014/main" id="{C8DE9FB7-DB67-911B-D3DF-D11EB2521178}"/>
               </a:ext>
             </a:extLst>
           </p:cNvPr>
@@ -2661,7 +2661,7 @@
           <a:bodyPr/>
           <a:lstStyle/>
           <a:p>
-            <a:fld id="{06E9AB9A-7154-410B-839B-B1647FE30EE5}" type="datetimeFigureOut">
+            <a:fld id="{BAD428C2-B8B1-4FB9-828E-1AA395A6F9FB}" type="datetimeFigureOut">
               <a:rPr lang="zh-CN" altLang="en-US" smtClean="0"/>
               <a:t>2024/3/10</a:t>
             </a:fld>
@@ -2674,7 +2674,7 @@
           <p:cNvPr id="6" name="页脚占位符 5">
             <a:extLst>
               <a:ext uri="{FF2B5EF4-FFF2-40B4-BE49-F238E27FC236}">
-                <a16:creationId xmlns:a16="http://schemas.microsoft.com/office/drawing/2014/main" id="{C25B35A8-2DE2-82E9-ECA3-E0F36CE737D7}"/>
+                <a16:creationId xmlns:a16="http://schemas.microsoft.com/office/drawing/2014/main" id="{FC0DB07B-FF58-92F9-0308-39C483D0404E}"/>
               </a:ext>
             </a:extLst>
           </p:cNvPr>
@@ -2699,7 +2699,7 @@
           <p:cNvPr id="7" name="灯片编号占位符 6">
             <a:extLst>
               <a:ext uri="{FF2B5EF4-FFF2-40B4-BE49-F238E27FC236}">
-                <a16:creationId xmlns:a16="http://schemas.microsoft.com/office/drawing/2014/main" id="{B6042008-DD6D-37FC-0AC1-A84402DA8593}"/>
+                <a16:creationId xmlns:a16="http://schemas.microsoft.com/office/drawing/2014/main" id="{6155984A-1C71-4011-DE7B-D798A96C05A3}"/>
               </a:ext>
             </a:extLst>
           </p:cNvPr>
@@ -2715,7 +2715,7 @@
           <a:bodyPr/>
           <a:lstStyle/>
           <a:p>
-            <a:fld id="{5A4FC2C7-5C40-4CF2-BBEC-8F3422CA57DD}" type="slidenum">
+            <a:fld id="{22A1681A-02A9-461A-BC3F-C0C933685AF5}" type="slidenum">
               <a:rPr lang="zh-CN" altLang="en-US" smtClean="0"/>
               <a:t>‹#›</a:t>
             </a:fld>
@@ -2726,7 +2726,7 @@
     </p:spTree>
     <p:extLst>
       <p:ext uri="{BB962C8B-B14F-4D97-AF65-F5344CB8AC3E}">
-        <p14:creationId xmlns:p14="http://schemas.microsoft.com/office/powerpoint/2010/main" val="2279780640"/>
+        <p14:creationId xmlns:p14="http://schemas.microsoft.com/office/powerpoint/2010/main" val="2752056466"/>
       </p:ext>
     </p:extLst>
   </p:cSld>
@@ -2763,7 +2763,7 @@
           <p:cNvPr id="2" name="标题占位符 1">
             <a:extLst>
               <a:ext uri="{FF2B5EF4-FFF2-40B4-BE49-F238E27FC236}">
-                <a16:creationId xmlns:a16="http://schemas.microsoft.com/office/drawing/2014/main" id="{9CDD0E68-D12C-6622-EDF6-BD85939108FA}"/>
+                <a16:creationId xmlns:a16="http://schemas.microsoft.com/office/drawing/2014/main" id="{2EF5E859-7C0C-20D3-CDC3-3EFE283748B8}"/>
               </a:ext>
             </a:extLst>
           </p:cNvPr>
@@ -2801,7 +2801,7 @@
           <p:cNvPr id="3" name="文本占位符 2">
             <a:extLst>
               <a:ext uri="{FF2B5EF4-FFF2-40B4-BE49-F238E27FC236}">
-                <a16:creationId xmlns:a16="http://schemas.microsoft.com/office/drawing/2014/main" id="{852A998D-648A-CBEC-B246-B56E73FEB7A6}"/>
+                <a16:creationId xmlns:a16="http://schemas.microsoft.com/office/drawing/2014/main" id="{53EAD472-66C0-0095-C376-A30436F4B660}"/>
               </a:ext>
             </a:extLst>
           </p:cNvPr>
@@ -2868,7 +2868,7 @@
           <p:cNvPr id="4" name="日期占位符 3">
             <a:extLst>
               <a:ext uri="{FF2B5EF4-FFF2-40B4-BE49-F238E27FC236}">
-                <a16:creationId xmlns:a16="http://schemas.microsoft.com/office/drawing/2014/main" id="{76A5DCBF-8701-52B7-43A1-30E5061F0465}"/>
+                <a16:creationId xmlns:a16="http://schemas.microsoft.com/office/drawing/2014/main" id="{E42B8F31-3964-FABC-675E-619A369EF79E}"/>
               </a:ext>
             </a:extLst>
           </p:cNvPr>
@@ -2902,7 +2902,7 @@
             </a:lvl1pPr>
           </a:lstStyle>
           <a:p>
-            <a:fld id="{06E9AB9A-7154-410B-839B-B1647FE30EE5}" type="datetimeFigureOut">
+            <a:fld id="{BAD428C2-B8B1-4FB9-828E-1AA395A6F9FB}" type="datetimeFigureOut">
               <a:rPr lang="zh-CN" altLang="en-US" smtClean="0"/>
               <a:t>2024/3/10</a:t>
             </a:fld>
@@ -2915,7 +2915,7 @@
           <p:cNvPr id="5" name="页脚占位符 4">
             <a:extLst>
               <a:ext uri="{FF2B5EF4-FFF2-40B4-BE49-F238E27FC236}">
-                <a16:creationId xmlns:a16="http://schemas.microsoft.com/office/drawing/2014/main" id="{55DD147F-19F2-93FE-DCAF-49E1C1F45BAA}"/>
+                <a16:creationId xmlns:a16="http://schemas.microsoft.com/office/drawing/2014/main" id="{E1AA5AEE-CE2E-248E-0C59-2B356A011E65}"/>
               </a:ext>
             </a:extLst>
           </p:cNvPr>
@@ -2958,7 +2958,7 @@
           <p:cNvPr id="6" name="灯片编号占位符 5">
             <a:extLst>
               <a:ext uri="{FF2B5EF4-FFF2-40B4-BE49-F238E27FC236}">
-                <a16:creationId xmlns:a16="http://schemas.microsoft.com/office/drawing/2014/main" id="{DE9950A5-D4E8-B1EB-378E-16330CF2CD64}"/>
+                <a16:creationId xmlns:a16="http://schemas.microsoft.com/office/drawing/2014/main" id="{A4A6C400-9B36-E4D3-95BA-583CDB09D6A4}"/>
               </a:ext>
             </a:extLst>
           </p:cNvPr>
@@ -2992,7 +2992,7 @@
             </a:lvl1pPr>
           </a:lstStyle>
           <a:p>
-            <a:fld id="{5A4FC2C7-5C40-4CF2-BBEC-8F3422CA57DD}" type="slidenum">
+            <a:fld id="{22A1681A-02A9-461A-BC3F-C0C933685AF5}" type="slidenum">
               <a:rPr lang="zh-CN" altLang="en-US" smtClean="0"/>
               <a:t>‹#›</a:t>
             </a:fld>
@@ -3003,7 +3003,7 @@
     </p:spTree>
     <p:extLst>
       <p:ext uri="{BB962C8B-B14F-4D97-AF65-F5344CB8AC3E}">
-        <p14:creationId xmlns:p14="http://schemas.microsoft.com/office/powerpoint/2010/main" val="474325282"/>
+        <p14:creationId xmlns:p14="http://schemas.microsoft.com/office/powerpoint/2010/main" val="805541303"/>
       </p:ext>
     </p:extLst>
   </p:cSld>
@@ -3323,7 +3323,7 @@
       </p:grpSpPr>
       <p:pic>
         <p:nvPicPr>
-          <p:cNvPr id="333826" name="Picture 2" descr="325"/>
+          <p:cNvPr id="334850" name="Picture 2" descr="326"/>
           <p:cNvPicPr>
             <a:picLocks noChangeAspect="1" noChangeArrowheads="1"/>
           </p:cNvPicPr>
@@ -3344,8 +3344,8 @@
         </p:blipFill>
         <p:spPr bwMode="auto">
           <a:xfrm>
-            <a:off x="1524000" y="1"/>
-            <a:ext cx="9144000" cy="3933825"/>
+            <a:off x="1524000" y="0"/>
+            <a:ext cx="9144000" cy="6859588"/>
           </a:xfrm>
           <a:prstGeom prst="rect">
             <a:avLst/>
@@ -3375,11 +3375,158 @@
           </a:extLst>
         </p:spPr>
       </p:pic>
+      <p:pic>
+        <p:nvPicPr>
+          <p:cNvPr id="335875" name="Picture 3" descr="326-2"/>
+          <p:cNvPicPr>
+            <a:picLocks noChangeAspect="1" noChangeArrowheads="1"/>
+          </p:cNvPicPr>
+          <p:nvPr/>
+        </p:nvPicPr>
+        <p:blipFill>
+          <a:blip r:embed="rId3">
+            <a:extLst>
+              <a:ext uri="{28A0092B-C50C-407E-A947-70E740481C1C}">
+                <a14:useLocalDpi xmlns:a14="http://schemas.microsoft.com/office/drawing/2010/main" val="0"/>
+              </a:ext>
+            </a:extLst>
+          </a:blip>
+          <a:srcRect/>
+          <a:stretch>
+            <a:fillRect/>
+          </a:stretch>
+        </p:blipFill>
+        <p:spPr bwMode="auto">
+          <a:xfrm>
+            <a:off x="1524000" y="0"/>
+            <a:ext cx="9144000" cy="6858000"/>
+          </a:xfrm>
+          <a:prstGeom prst="rect">
+            <a:avLst/>
+          </a:prstGeom>
+          <a:noFill/>
+          <a:ln>
+            <a:noFill/>
+          </a:ln>
+          <a:effectLst/>
+          <a:extLst>
+            <a:ext uri="{909E8E84-426E-40DD-AFC4-6F175D3DCCD1}">
+              <a14:hiddenFill xmlns:a14="http://schemas.microsoft.com/office/drawing/2010/main">
+                <a:solidFill>
+                  <a:srgbClr val="FFFFFF"/>
+                </a:solidFill>
+              </a14:hiddenFill>
+            </a:ext>
+            <a:ext uri="{91240B29-F687-4F45-9708-019B960494DF}">
+              <a14:hiddenLine xmlns:a14="http://schemas.microsoft.com/office/drawing/2010/main" w="9525">
+                <a:solidFill>
+                  <a:srgbClr val="000000"/>
+                </a:solidFill>
+                <a:miter lim="800000"/>
+                <a:headEnd/>
+                <a:tailEnd/>
+              </a14:hiddenLine>
+            </a:ext>
+            <a:ext uri="{AF507438-7753-43E0-B8FC-AC1667EBCBE1}">
+              <a14:hiddenEffects xmlns:a14="http://schemas.microsoft.com/office/drawing/2010/main">
+                <a:effectLst>
+                  <a:outerShdw dist="35921" dir="2700000" algn="ctr" rotWithShape="0">
+                    <a:srgbClr val="808080"/>
+                  </a:outerShdw>
+                </a:effectLst>
+              </a14:hiddenEffects>
+            </a:ext>
+          </a:extLst>
+        </p:spPr>
+      </p:pic>
     </p:spTree>
   </p:cSld>
   <p:clrMapOvr>
     <a:masterClrMapping/>
   </p:clrMapOvr>
+  <p:timing>
+    <p:tnLst>
+      <p:par>
+        <p:cTn id="1" dur="indefinite" restart="never" nodeType="tmRoot">
+          <p:childTnLst>
+            <p:seq concurrent="1" nextAc="seek">
+              <p:cTn id="2" dur="indefinite" nodeType="mainSeq">
+                <p:childTnLst>
+                  <p:par>
+                    <p:cTn id="3" fill="hold" nodeType="clickPar">
+                      <p:stCondLst>
+                        <p:cond delay="indefinite"/>
+                      </p:stCondLst>
+                      <p:childTnLst>
+                        <p:par>
+                          <p:cTn id="4" fill="hold" nodeType="withGroup">
+                            <p:stCondLst>
+                              <p:cond delay="0"/>
+                            </p:stCondLst>
+                            <p:childTnLst>
+                              <p:par>
+                                <p:cTn id="5" presetID="10" presetClass="entr" presetSubtype="0" fill="hold" nodeType="clickEffect">
+                                  <p:stCondLst>
+                                    <p:cond delay="0"/>
+                                  </p:stCondLst>
+                                  <p:childTnLst>
+                                    <p:set>
+                                      <p:cBhvr>
+                                        <p:cTn id="6" dur="1" fill="hold">
+                                          <p:stCondLst>
+                                            <p:cond delay="0"/>
+                                          </p:stCondLst>
+                                        </p:cTn>
+                                        <p:tgtEl>
+                                          <p:spTgt spid="335875"/>
+                                        </p:tgtEl>
+                                        <p:attrNameLst>
+                                          <p:attrName>style.visibility</p:attrName>
+                                        </p:attrNameLst>
+                                      </p:cBhvr>
+                                      <p:to>
+                                        <p:strVal val="visible"/>
+                                      </p:to>
+                                    </p:set>
+                                    <p:animEffect transition="in" filter="fade">
+                                      <p:cBhvr>
+                                        <p:cTn id="7" dur="500"/>
+                                        <p:tgtEl>
+                                          <p:spTgt spid="335875"/>
+                                        </p:tgtEl>
+                                      </p:cBhvr>
+                                    </p:animEffect>
+                                  </p:childTnLst>
+                                </p:cTn>
+                              </p:par>
+                            </p:childTnLst>
+                          </p:cTn>
+                        </p:par>
+                      </p:childTnLst>
+                    </p:cTn>
+                  </p:par>
+                </p:childTnLst>
+              </p:cTn>
+              <p:prevCondLst>
+                <p:cond evt="onPrev" delay="0">
+                  <p:tgtEl>
+                    <p:sldTgt/>
+                  </p:tgtEl>
+                </p:cond>
+              </p:prevCondLst>
+              <p:nextCondLst>
+                <p:cond evt="onNext" delay="0">
+                  <p:tgtEl>
+                    <p:sldTgt/>
+                  </p:tgtEl>
+                </p:cond>
+              </p:nextCondLst>
+            </p:seq>
+          </p:childTnLst>
+        </p:cTn>
+      </p:par>
+    </p:tnLst>
+  </p:timing>
 </p:sld>
 </file>
 
